--- a/project_deliverables/engineering_slides.pptx
+++ b/project_deliverables/engineering_slides.pptx
@@ -267,7 +267,7 @@
           <a:p>
             <a:fld id="{CB515E8F-711D-47F7-B948-53AC58437B7C}" type="datetimeFigureOut">
               <a:rPr lang="en-US" smtClean="0"/>
-              <a:t>4/19/2022</a:t>
+              <a:t>4/20/2022</a:t>
             </a:fld>
             <a:endParaRPr lang="en-US"/>
           </a:p>
@@ -465,7 +465,7 @@
           <a:p>
             <a:fld id="{CB515E8F-711D-47F7-B948-53AC58437B7C}" type="datetimeFigureOut">
               <a:rPr lang="en-US" smtClean="0"/>
-              <a:t>4/19/2022</a:t>
+              <a:t>4/20/2022</a:t>
             </a:fld>
             <a:endParaRPr lang="en-US"/>
           </a:p>
@@ -673,7 +673,7 @@
           <a:p>
             <a:fld id="{CB515E8F-711D-47F7-B948-53AC58437B7C}" type="datetimeFigureOut">
               <a:rPr lang="en-US" smtClean="0"/>
-              <a:t>4/19/2022</a:t>
+              <a:t>4/20/2022</a:t>
             </a:fld>
             <a:endParaRPr lang="en-US"/>
           </a:p>
@@ -871,7 +871,7 @@
           <a:p>
             <a:fld id="{CB515E8F-711D-47F7-B948-53AC58437B7C}" type="datetimeFigureOut">
               <a:rPr lang="en-US" smtClean="0"/>
-              <a:t>4/19/2022</a:t>
+              <a:t>4/20/2022</a:t>
             </a:fld>
             <a:endParaRPr lang="en-US"/>
           </a:p>
@@ -1146,7 +1146,7 @@
           <a:p>
             <a:fld id="{CB515E8F-711D-47F7-B948-53AC58437B7C}" type="datetimeFigureOut">
               <a:rPr lang="en-US" smtClean="0"/>
-              <a:t>4/19/2022</a:t>
+              <a:t>4/20/2022</a:t>
             </a:fld>
             <a:endParaRPr lang="en-US"/>
           </a:p>
@@ -1411,7 +1411,7 @@
           <a:p>
             <a:fld id="{CB515E8F-711D-47F7-B948-53AC58437B7C}" type="datetimeFigureOut">
               <a:rPr lang="en-US" smtClean="0"/>
-              <a:t>4/19/2022</a:t>
+              <a:t>4/20/2022</a:t>
             </a:fld>
             <a:endParaRPr lang="en-US"/>
           </a:p>
@@ -1823,7 +1823,7 @@
           <a:p>
             <a:fld id="{CB515E8F-711D-47F7-B948-53AC58437B7C}" type="datetimeFigureOut">
               <a:rPr lang="en-US" smtClean="0"/>
-              <a:t>4/19/2022</a:t>
+              <a:t>4/20/2022</a:t>
             </a:fld>
             <a:endParaRPr lang="en-US"/>
           </a:p>
@@ -1964,7 +1964,7 @@
           <a:p>
             <a:fld id="{CB515E8F-711D-47F7-B948-53AC58437B7C}" type="datetimeFigureOut">
               <a:rPr lang="en-US" smtClean="0"/>
-              <a:t>4/19/2022</a:t>
+              <a:t>4/20/2022</a:t>
             </a:fld>
             <a:endParaRPr lang="en-US"/>
           </a:p>
@@ -2077,7 +2077,7 @@
           <a:p>
             <a:fld id="{CB515E8F-711D-47F7-B948-53AC58437B7C}" type="datetimeFigureOut">
               <a:rPr lang="en-US" smtClean="0"/>
-              <a:t>4/19/2022</a:t>
+              <a:t>4/20/2022</a:t>
             </a:fld>
             <a:endParaRPr lang="en-US"/>
           </a:p>
@@ -2388,7 +2388,7 @@
           <a:p>
             <a:fld id="{CB515E8F-711D-47F7-B948-53AC58437B7C}" type="datetimeFigureOut">
               <a:rPr lang="en-US" smtClean="0"/>
-              <a:t>4/19/2022</a:t>
+              <a:t>4/20/2022</a:t>
             </a:fld>
             <a:endParaRPr lang="en-US"/>
           </a:p>
@@ -2676,7 +2676,7 @@
           <a:p>
             <a:fld id="{CB515E8F-711D-47F7-B948-53AC58437B7C}" type="datetimeFigureOut">
               <a:rPr lang="en-US" smtClean="0"/>
-              <a:t>4/19/2022</a:t>
+              <a:t>4/20/2022</a:t>
             </a:fld>
             <a:endParaRPr lang="en-US"/>
           </a:p>
@@ -2927,7 +2927,7 @@
           <a:p>
             <a:fld id="{CB515E8F-711D-47F7-B948-53AC58437B7C}" type="datetimeFigureOut">
               <a:rPr lang="en-US" smtClean="0"/>
-              <a:t>4/19/2022</a:t>
+              <a:t>4/20/2022</a:t>
             </a:fld>
             <a:endParaRPr lang="en-US"/>
           </a:p>
@@ -3690,8 +3690,8 @@
         </p:nvSpPr>
         <p:spPr>
           <a:xfrm>
-            <a:off x="242695" y="1647449"/>
-            <a:ext cx="10515600" cy="4351338"/>
+            <a:off x="242695" y="1647448"/>
+            <a:ext cx="6746084" cy="4826181"/>
           </a:xfrm>
         </p:spPr>
         <p:txBody>
@@ -3772,14 +3772,36 @@
             </a:r>
           </a:p>
           <a:p>
-            <a:pPr lvl="1"/>
+            <a:pPr lvl="2"/>
             <a:r>
               <a:rPr lang="en-US" dirty="0">
                 <a:latin typeface="Microsoft Sans Serif" panose="020B0604020202020204" pitchFamily="34" charset="0"/>
                 <a:ea typeface="Microsoft Sans Serif" panose="020B0604020202020204" pitchFamily="34" charset="0"/>
                 <a:cs typeface="Microsoft Sans Serif" panose="020B0604020202020204" pitchFamily="34" charset="0"/>
               </a:rPr>
-              <a:t>Back to back</a:t>
+              <a:t>41 game rolling average</a:t>
+            </a:r>
+          </a:p>
+          <a:p>
+            <a:pPr lvl="2"/>
+            <a:r>
+              <a:rPr lang="en-US" dirty="0">
+                <a:latin typeface="Microsoft Sans Serif" panose="020B0604020202020204" pitchFamily="34" charset="0"/>
+                <a:ea typeface="Microsoft Sans Serif" panose="020B0604020202020204" pitchFamily="34" charset="0"/>
+                <a:cs typeface="Microsoft Sans Serif" panose="020B0604020202020204" pitchFamily="34" charset="0"/>
+              </a:rPr>
+              <a:t>Merged on a game basis to show home v. away</a:t>
+            </a:r>
+          </a:p>
+          <a:p>
+            <a:pPr lvl="1"/>
+            <a:r>
+              <a:rPr lang="en-US" dirty="0">
+                <a:latin typeface="Microsoft Sans Serif" panose="020B0604020202020204" pitchFamily="34" charset="0"/>
+                <a:ea typeface="Microsoft Sans Serif" panose="020B0604020202020204" pitchFamily="34" charset="0"/>
+                <a:cs typeface="Microsoft Sans Serif" panose="020B0604020202020204" pitchFamily="34" charset="0"/>
+              </a:rPr>
+              <a:t>Back to back games</a:t>
             </a:r>
           </a:p>
           <a:p>
@@ -5058,8 +5080,8 @@
         </p:nvSpPr>
         <p:spPr>
           <a:xfrm>
-            <a:off x="114364" y="1936940"/>
-            <a:ext cx="3932237" cy="3811588"/>
+            <a:off x="114364" y="1463040"/>
+            <a:ext cx="3932237" cy="5090160"/>
           </a:xfrm>
         </p:spPr>
         <p:txBody>
@@ -5078,7 +5100,7 @@
                 <a:ea typeface="Microsoft Sans Serif" panose="020B0604020202020204" pitchFamily="34" charset="0"/>
                 <a:cs typeface="Microsoft Sans Serif" panose="020B0604020202020204" pitchFamily="34" charset="0"/>
               </a:rPr>
-              <a:t>Model features scaled</a:t>
+              <a:t>Numeric features scaled, categorical one hot encoded</a:t>
             </a:r>
           </a:p>
           <a:p>
@@ -5111,7 +5133,7 @@
                 <a:ea typeface="Microsoft Sans Serif" panose="020B0604020202020204" pitchFamily="34" charset="0"/>
                 <a:cs typeface="Microsoft Sans Serif" panose="020B0604020202020204" pitchFamily="34" charset="0"/>
               </a:rPr>
-              <a:t>Analytics and advanced stats are relatively new to hockey</a:t>
+              <a:t>Logistic Regression model was selected</a:t>
             </a:r>
           </a:p>
           <a:p>
@@ -5125,12 +5147,23 @@
                 <a:ea typeface="Microsoft Sans Serif" panose="020B0604020202020204" pitchFamily="34" charset="0"/>
                 <a:cs typeface="Microsoft Sans Serif" panose="020B0604020202020204" pitchFamily="34" charset="0"/>
               </a:rPr>
-              <a:t>Predictive models offer a way to “beat Vegas</a:t>
-            </a:r>
-            <a:r>
-              <a:rPr lang="en-US" sz="2400" dirty="0"/>
-              <a:t>”</a:t>
-            </a:r>
+              <a:t>Retrained daily on sliding window</a:t>
+            </a:r>
+          </a:p>
+          <a:p>
+            <a:pPr marL="342900" indent="-342900">
+              <a:buFont typeface="Arial" panose="020B0604020202020204" pitchFamily="34" charset="0"/>
+              <a:buChar char="•"/>
+            </a:pPr>
+            <a:r>
+              <a:rPr lang="en-US" sz="2400" dirty="0">
+                <a:latin typeface="Microsoft Sans Serif" panose="020B0604020202020204" pitchFamily="34" charset="0"/>
+                <a:ea typeface="Microsoft Sans Serif" panose="020B0604020202020204" pitchFamily="34" charset="0"/>
+                <a:cs typeface="Microsoft Sans Serif" panose="020B0604020202020204" pitchFamily="34" charset="0"/>
+              </a:rPr>
+              <a:t>Outputs predictions for Flask app</a:t>
+            </a:r>
+            <a:endParaRPr lang="en-US" sz="2400" dirty="0"/>
           </a:p>
         </p:txBody>
       </p:sp>
@@ -5433,7 +5466,7 @@
         </p:nvSpPr>
         <p:spPr>
           <a:xfrm>
-            <a:off x="4330193" y="2170176"/>
+            <a:off x="4360673" y="2115465"/>
             <a:ext cx="2053896" cy="369332"/>
           </a:xfrm>
           <a:prstGeom prst="rect">
